--- a/Final Project Presentation.pptx
+++ b/Final Project Presentation.pptx
@@ -6,15 +6,17 @@
   </p:sldMasterIdLst>
   <p:sldIdLst>
     <p:sldId id="257" r:id="rId5"/>
-    <p:sldId id="261" r:id="rId6"/>
-    <p:sldId id="263" r:id="rId7"/>
-    <p:sldId id="264" r:id="rId8"/>
-    <p:sldId id="269" r:id="rId9"/>
-    <p:sldId id="270" r:id="rId10"/>
-    <p:sldId id="265" r:id="rId11"/>
-    <p:sldId id="266" r:id="rId12"/>
-    <p:sldId id="267" r:id="rId13"/>
-    <p:sldId id="268" r:id="rId14"/>
+    <p:sldId id="272" r:id="rId6"/>
+    <p:sldId id="261" r:id="rId7"/>
+    <p:sldId id="263" r:id="rId8"/>
+    <p:sldId id="264" r:id="rId9"/>
+    <p:sldId id="269" r:id="rId10"/>
+    <p:sldId id="270" r:id="rId11"/>
+    <p:sldId id="265" r:id="rId12"/>
+    <p:sldId id="266" r:id="rId13"/>
+    <p:sldId id="267" r:id="rId14"/>
+    <p:sldId id="268" r:id="rId15"/>
+    <p:sldId id="271" r:id="rId16"/>
   </p:sldIdLst>
   <p:sldSz cx="12192000" cy="6858000"/>
   <p:notesSz cx="6858000" cy="9144000"/>
@@ -590,7 +592,7 @@
           <a:p>
             <a:fld id="{EA0C0817-A112-4847-8014-A94B7D2A4EA3}" type="datetime1">
               <a:rPr lang="en-US" smtClean="0"/>
-              <a:t>3/12/2021</a:t>
+              <a:t>3/13/2021</a:t>
             </a:fld>
             <a:endParaRPr lang="en-US" dirty="0"/>
           </a:p>
@@ -792,7 +794,7 @@
           <a:p>
             <a:fld id="{7332B432-ACDA-4023-A761-2BAB76577B62}" type="datetime1">
               <a:rPr lang="en-US" smtClean="0"/>
-              <a:t>3/12/2021</a:t>
+              <a:t>3/13/2021</a:t>
             </a:fld>
             <a:endParaRPr lang="en-US" dirty="0"/>
           </a:p>
@@ -1391,7 +1393,7 @@
           <a:p>
             <a:fld id="{D9C646AA-F36E-4540-911D-FFFC0A0EF24A}" type="datetime1">
               <a:rPr lang="en-US" smtClean="0"/>
-              <a:t>3/12/2021</a:t>
+              <a:t>3/13/2021</a:t>
             </a:fld>
             <a:endParaRPr lang="en-US" dirty="0"/>
           </a:p>
@@ -1711,7 +1713,7 @@
           <a:p>
             <a:fld id="{69186D26-FA5F-4637-B602-B7C2DC34CFD4}" type="datetime1">
               <a:rPr lang="en-US" smtClean="0"/>
-              <a:t>3/12/2021</a:t>
+              <a:t>3/13/2021</a:t>
             </a:fld>
             <a:endParaRPr lang="en-US" dirty="0"/>
           </a:p>
@@ -2148,7 +2150,7 @@
           <a:p>
             <a:fld id="{8A7F15D8-96D1-4781-BC50-CA8A088B2FE4}" type="datetime1">
               <a:rPr lang="en-US" smtClean="0"/>
-              <a:t>3/12/2021</a:t>
+              <a:t>3/13/2021</a:t>
             </a:fld>
             <a:endParaRPr lang="en-US" dirty="0"/>
           </a:p>
@@ -2266,7 +2268,7 @@
           <a:p>
             <a:fld id="{F9A96C99-B8F8-4528-BD05-0E16E943DC09}" type="datetime1">
               <a:rPr lang="en-US" smtClean="0"/>
-              <a:t>3/12/2021</a:t>
+              <a:t>3/13/2021</a:t>
             </a:fld>
             <a:endParaRPr lang="en-US" dirty="0"/>
           </a:p>
@@ -2361,7 +2363,7 @@
           <a:p>
             <a:fld id="{03636942-C211-4B28-8DBD-C953E00AF71B}" type="datetime1">
               <a:rPr lang="en-US" smtClean="0"/>
-              <a:t>3/12/2021</a:t>
+              <a:t>3/13/2021</a:t>
             </a:fld>
             <a:endParaRPr lang="en-US" dirty="0"/>
           </a:p>
@@ -2778,7 +2780,7 @@
           <a:p>
             <a:fld id="{7E8D12A6-918A-48BD-8CB9-CA713993B0EA}" type="datetime1">
               <a:rPr lang="en-US" smtClean="0"/>
-              <a:t>3/12/2021</a:t>
+              <a:t>3/13/2021</a:t>
             </a:fld>
             <a:endParaRPr lang="en-US" dirty="0"/>
           </a:p>
@@ -3040,7 +3042,7 @@
             <a:fld id="{E778CE86-875F-4587-BCF6-FA054AFC0D53}" type="datetime1">
               <a:rPr lang="en-US" smtClean="0"/>
               <a:pPr/>
-              <a:t>3/12/2021</a:t>
+              <a:t>3/13/2021</a:t>
             </a:fld>
             <a:endParaRPr lang="en-US" dirty="0"/>
           </a:p>
@@ -3556,7 +3558,7 @@
           <a:p>
             <a:fld id="{F6FA2B21-3FCD-4721-B95C-427943F61125}" type="datetime1">
               <a:rPr lang="en-US" smtClean="0"/>
-              <a:t>3/12/2021</a:t>
+              <a:t>3/13/2021</a:t>
             </a:fld>
             <a:endParaRPr lang="en-US" dirty="0"/>
           </a:p>
@@ -4289,6 +4291,137 @@
           <p:cNvPr id="2" name="Title 1">
             <a:extLst>
               <a:ext uri="{FF2B5EF4-FFF2-40B4-BE49-F238E27FC236}">
+                <a16:creationId xmlns:a16="http://schemas.microsoft.com/office/drawing/2014/main" id="{59F55209-B9E8-4C71-8AC9-62A22251F007}"/>
+              </a:ext>
+            </a:extLst>
+          </p:cNvPr>
+          <p:cNvSpPr>
+            <a:spLocks noGrp="1"/>
+          </p:cNvSpPr>
+          <p:nvPr>
+            <p:ph type="title"/>
+          </p:nvPr>
+        </p:nvSpPr>
+        <p:spPr>
+          <a:xfrm>
+            <a:off x="1066800" y="642594"/>
+            <a:ext cx="10058400" cy="977959"/>
+          </a:xfrm>
+        </p:spPr>
+        <p:txBody>
+          <a:bodyPr anchor="ctr">
+            <a:normAutofit/>
+          </a:bodyPr>
+          <a:lstStyle/>
+          <a:p>
+            <a:pPr algn="r"/>
+            <a:r>
+              <a:rPr lang="en-US" b="1" dirty="0"/>
+              <a:t>Actual vs Prediction</a:t>
+            </a:r>
+          </a:p>
+        </p:txBody>
+      </p:sp>
+      <p:pic>
+        <p:nvPicPr>
+          <p:cNvPr id="5" name="Content Placeholder 4">
+            <a:extLst>
+              <a:ext uri="{FF2B5EF4-FFF2-40B4-BE49-F238E27FC236}">
+                <a16:creationId xmlns:a16="http://schemas.microsoft.com/office/drawing/2014/main" id="{FCE3EF01-4192-41CB-9862-8D27385B5EFB}"/>
+              </a:ext>
+            </a:extLst>
+          </p:cNvPr>
+          <p:cNvPicPr>
+            <a:picLocks noGrp="1" noChangeAspect="1"/>
+          </p:cNvPicPr>
+          <p:nvPr>
+            <p:ph sz="half" idx="1"/>
+          </p:nvPr>
+        </p:nvPicPr>
+        <p:blipFill>
+          <a:blip r:embed="rId2"/>
+          <a:stretch>
+            <a:fillRect/>
+          </a:stretch>
+        </p:blipFill>
+        <p:spPr>
+          <a:xfrm>
+            <a:off x="418957" y="490988"/>
+            <a:ext cx="3549545" cy="1599052"/>
+          </a:xfrm>
+          <a:prstGeom prst="rect">
+            <a:avLst/>
+          </a:prstGeom>
+        </p:spPr>
+      </p:pic>
+      <p:pic>
+        <p:nvPicPr>
+          <p:cNvPr id="4" name="Content Placeholder 3">
+            <a:extLst>
+              <a:ext uri="{FF2B5EF4-FFF2-40B4-BE49-F238E27FC236}">
+                <a16:creationId xmlns:a16="http://schemas.microsoft.com/office/drawing/2014/main" id="{6000D909-7285-457B-8BF5-1F7513C16B65}"/>
+              </a:ext>
+            </a:extLst>
+          </p:cNvPr>
+          <p:cNvPicPr>
+            <a:picLocks noGrp="1" noChangeAspect="1"/>
+          </p:cNvPicPr>
+          <p:nvPr>
+            <p:ph sz="half" idx="2"/>
+          </p:nvPr>
+        </p:nvPicPr>
+        <p:blipFill>
+          <a:blip r:embed="rId3"/>
+          <a:stretch>
+            <a:fillRect/>
+          </a:stretch>
+        </p:blipFill>
+        <p:spPr>
+          <a:xfrm>
+            <a:off x="3108961" y="1620553"/>
+            <a:ext cx="8664082" cy="4746459"/>
+          </a:xfrm>
+          <a:prstGeom prst="rect">
+            <a:avLst/>
+          </a:prstGeom>
+          <a:noFill/>
+        </p:spPr>
+      </p:pic>
+    </p:spTree>
+    <p:extLst>
+      <p:ext uri="{BB962C8B-B14F-4D97-AF65-F5344CB8AC3E}">
+        <p14:creationId xmlns:p14="http://schemas.microsoft.com/office/powerpoint/2010/main" val="326395827"/>
+      </p:ext>
+    </p:extLst>
+  </p:cSld>
+  <p:clrMapOvr>
+    <a:masterClrMapping/>
+  </p:clrMapOvr>
+</p:sld>
+</file>
+
+<file path=ppt/slides/slide11.xml><?xml version="1.0" encoding="utf-8"?>
+<p:sld xmlns:a="http://schemas.openxmlformats.org/drawingml/2006/main" xmlns:r="http://schemas.openxmlformats.org/officeDocument/2006/relationships" xmlns:p="http://schemas.openxmlformats.org/presentationml/2006/main">
+  <p:cSld>
+    <p:spTree>
+      <p:nvGrpSpPr>
+        <p:cNvPr id="1" name=""/>
+        <p:cNvGrpSpPr/>
+        <p:nvPr/>
+      </p:nvGrpSpPr>
+      <p:grpSpPr>
+        <a:xfrm>
+          <a:off x="0" y="0"/>
+          <a:ext cx="0" cy="0"/>
+          <a:chOff x="0" y="0"/>
+          <a:chExt cx="0" cy="0"/>
+        </a:xfrm>
+      </p:grpSpPr>
+      <p:sp>
+        <p:nvSpPr>
+          <p:cNvPr id="2" name="Title 1">
+            <a:extLst>
+              <a:ext uri="{FF2B5EF4-FFF2-40B4-BE49-F238E27FC236}">
                 <a16:creationId xmlns:a16="http://schemas.microsoft.com/office/drawing/2014/main" id="{DC09C4DC-D3D4-4D64-B5AD-EA4F75E5D49E}"/>
               </a:ext>
             </a:extLst>
@@ -4365,7 +4498,157 @@
 </p:sld>
 </file>
 
+<file path=ppt/slides/slide12.xml><?xml version="1.0" encoding="utf-8"?>
+<p:sld xmlns:a="http://schemas.openxmlformats.org/drawingml/2006/main" xmlns:r="http://schemas.openxmlformats.org/officeDocument/2006/relationships" xmlns:p="http://schemas.openxmlformats.org/presentationml/2006/main">
+  <p:cSld>
+    <p:spTree>
+      <p:nvGrpSpPr>
+        <p:cNvPr id="1" name=""/>
+        <p:cNvGrpSpPr/>
+        <p:nvPr/>
+      </p:nvGrpSpPr>
+      <p:grpSpPr>
+        <a:xfrm>
+          <a:off x="0" y="0"/>
+          <a:ext cx="0" cy="0"/>
+          <a:chOff x="0" y="0"/>
+          <a:chExt cx="0" cy="0"/>
+        </a:xfrm>
+      </p:grpSpPr>
+      <p:pic>
+        <p:nvPicPr>
+          <p:cNvPr id="4" name="Content Placeholder 3">
+            <a:extLst>
+              <a:ext uri="{FF2B5EF4-FFF2-40B4-BE49-F238E27FC236}">
+                <a16:creationId xmlns:a16="http://schemas.microsoft.com/office/drawing/2014/main" id="{14C67A41-341F-4A0C-BCFC-669A55F85F1D}"/>
+              </a:ext>
+            </a:extLst>
+          </p:cNvPr>
+          <p:cNvPicPr>
+            <a:picLocks noGrp="1" noChangeAspect="1"/>
+          </p:cNvPicPr>
+          <p:nvPr>
+            <p:ph idx="1"/>
+          </p:nvPr>
+        </p:nvPicPr>
+        <p:blipFill>
+          <a:blip r:embed="rId2"/>
+          <a:stretch>
+            <a:fillRect/>
+          </a:stretch>
+        </p:blipFill>
+        <p:spPr>
+          <a:xfrm>
+            <a:off x="776428" y="2042197"/>
+            <a:ext cx="10639144" cy="2773606"/>
+          </a:xfrm>
+          <a:prstGeom prst="rect">
+            <a:avLst/>
+          </a:prstGeom>
+        </p:spPr>
+      </p:pic>
+    </p:spTree>
+    <p:extLst>
+      <p:ext uri="{BB962C8B-B14F-4D97-AF65-F5344CB8AC3E}">
+        <p14:creationId xmlns:p14="http://schemas.microsoft.com/office/powerpoint/2010/main" val="723887563"/>
+      </p:ext>
+    </p:extLst>
+  </p:cSld>
+  <p:clrMapOvr>
+    <a:masterClrMapping/>
+  </p:clrMapOvr>
+</p:sld>
+</file>
+
 <file path=ppt/slides/slide2.xml><?xml version="1.0" encoding="utf-8"?>
+<p:sld xmlns:a="http://schemas.openxmlformats.org/drawingml/2006/main" xmlns:r="http://schemas.openxmlformats.org/officeDocument/2006/relationships" xmlns:p="http://schemas.openxmlformats.org/presentationml/2006/main">
+  <p:cSld>
+    <p:spTree>
+      <p:nvGrpSpPr>
+        <p:cNvPr id="1" name=""/>
+        <p:cNvGrpSpPr/>
+        <p:nvPr/>
+      </p:nvGrpSpPr>
+      <p:grpSpPr>
+        <a:xfrm>
+          <a:off x="0" y="0"/>
+          <a:ext cx="0" cy="0"/>
+          <a:chOff x="0" y="0"/>
+          <a:chExt cx="0" cy="0"/>
+        </a:xfrm>
+      </p:grpSpPr>
+      <p:sp>
+        <p:nvSpPr>
+          <p:cNvPr id="2" name="Title 1">
+            <a:extLst>
+              <a:ext uri="{FF2B5EF4-FFF2-40B4-BE49-F238E27FC236}">
+                <a16:creationId xmlns:a16="http://schemas.microsoft.com/office/drawing/2014/main" id="{F37C34D4-CAE0-46B4-93CC-1299B2B6F500}"/>
+              </a:ext>
+            </a:extLst>
+          </p:cNvPr>
+          <p:cNvSpPr>
+            <a:spLocks noGrp="1"/>
+          </p:cNvSpPr>
+          <p:nvPr>
+            <p:ph type="title"/>
+          </p:nvPr>
+        </p:nvSpPr>
+        <p:spPr/>
+        <p:txBody>
+          <a:bodyPr/>
+          <a:lstStyle/>
+          <a:p>
+            <a:r>
+              <a:rPr lang="en-US" b="1" dirty="0"/>
+              <a:t>Project Goal!</a:t>
+            </a:r>
+          </a:p>
+        </p:txBody>
+      </p:sp>
+      <p:sp>
+        <p:nvSpPr>
+          <p:cNvPr id="3" name="Content Placeholder 2">
+            <a:extLst>
+              <a:ext uri="{FF2B5EF4-FFF2-40B4-BE49-F238E27FC236}">
+                <a16:creationId xmlns:a16="http://schemas.microsoft.com/office/drawing/2014/main" id="{1040C93F-4EF8-4955-BF60-7DC792F4AAE6}"/>
+              </a:ext>
+            </a:extLst>
+          </p:cNvPr>
+          <p:cNvSpPr>
+            <a:spLocks noGrp="1"/>
+          </p:cNvSpPr>
+          <p:nvPr>
+            <p:ph idx="1"/>
+          </p:nvPr>
+        </p:nvSpPr>
+        <p:spPr/>
+        <p:txBody>
+          <a:bodyPr>
+            <a:normAutofit/>
+          </a:bodyPr>
+          <a:lstStyle/>
+          <a:p>
+            <a:r>
+              <a:rPr lang="en-US" sz="3200" dirty="0"/>
+              <a:t>Using Machine Learning to predict a model and see its accuracy as predicting happiness score from given X variables</a:t>
+            </a:r>
+          </a:p>
+        </p:txBody>
+      </p:sp>
+    </p:spTree>
+    <p:extLst>
+      <p:ext uri="{BB962C8B-B14F-4D97-AF65-F5344CB8AC3E}">
+        <p14:creationId xmlns:p14="http://schemas.microsoft.com/office/powerpoint/2010/main" val="3577640910"/>
+      </p:ext>
+    </p:extLst>
+  </p:cSld>
+  <p:clrMapOvr>
+    <a:masterClrMapping/>
+  </p:clrMapOvr>
+</p:sld>
+</file>
+
+<file path=ppt/slides/slide3.xml><?xml version="1.0" encoding="utf-8"?>
 <p:sld xmlns:a="http://schemas.openxmlformats.org/drawingml/2006/main" xmlns:r="http://schemas.openxmlformats.org/officeDocument/2006/relationships" xmlns:p="http://schemas.openxmlformats.org/presentationml/2006/main">
   <p:cSld>
     <p:bg>
@@ -4535,101 +4818,6 @@
     <p:extLst>
       <p:ext uri="{BB962C8B-B14F-4D97-AF65-F5344CB8AC3E}">
         <p14:creationId xmlns:p14="http://schemas.microsoft.com/office/powerpoint/2010/main" val="183243182"/>
-      </p:ext>
-    </p:extLst>
-  </p:cSld>
-  <p:clrMapOvr>
-    <a:masterClrMapping/>
-  </p:clrMapOvr>
-</p:sld>
-</file>
-
-<file path=ppt/slides/slide3.xml><?xml version="1.0" encoding="utf-8"?>
-<p:sld xmlns:a="http://schemas.openxmlformats.org/drawingml/2006/main" xmlns:r="http://schemas.openxmlformats.org/officeDocument/2006/relationships" xmlns:p="http://schemas.openxmlformats.org/presentationml/2006/main">
-  <p:cSld>
-    <p:spTree>
-      <p:nvGrpSpPr>
-        <p:cNvPr id="1" name=""/>
-        <p:cNvGrpSpPr/>
-        <p:nvPr/>
-      </p:nvGrpSpPr>
-      <p:grpSpPr>
-        <a:xfrm>
-          <a:off x="0" y="0"/>
-          <a:ext cx="0" cy="0"/>
-          <a:chOff x="0" y="0"/>
-          <a:chExt cx="0" cy="0"/>
-        </a:xfrm>
-      </p:grpSpPr>
-      <p:sp>
-        <p:nvSpPr>
-          <p:cNvPr id="3" name="Content Placeholder 2">
-            <a:extLst>
-              <a:ext uri="{FF2B5EF4-FFF2-40B4-BE49-F238E27FC236}">
-                <a16:creationId xmlns:a16="http://schemas.microsoft.com/office/drawing/2014/main" id="{C2A13309-28F3-4593-9FB0-12FC11BBDDAC}"/>
-              </a:ext>
-            </a:extLst>
-          </p:cNvPr>
-          <p:cNvSpPr>
-            <a:spLocks noGrp="1"/>
-          </p:cNvSpPr>
-          <p:nvPr>
-            <p:ph idx="1"/>
-          </p:nvPr>
-        </p:nvSpPr>
-        <p:spPr>
-          <a:xfrm>
-            <a:off x="947531" y="1410789"/>
-            <a:ext cx="10058400" cy="3566161"/>
-          </a:xfrm>
-        </p:spPr>
-        <p:txBody>
-          <a:bodyPr>
-            <a:normAutofit/>
-          </a:bodyPr>
-          <a:lstStyle/>
-          <a:p>
-            <a:pPr lvl="0"/>
-            <a:r>
-              <a:rPr lang="en-US" sz="2800" dirty="0"/>
-              <a:t>Countries with a high </a:t>
-            </a:r>
-            <a:r>
-              <a:rPr lang="en-US" sz="2800" i="1" dirty="0"/>
-              <a:t>Healthy life expectancy at birth</a:t>
-            </a:r>
-            <a:r>
-              <a:rPr lang="en-US" sz="2800" dirty="0"/>
-              <a:t> tend to be happier on average. </a:t>
-            </a:r>
-          </a:p>
-          <a:p>
-            <a:pPr lvl="1"/>
-            <a:r>
-              <a:rPr lang="en-US" sz="2000" dirty="0"/>
-              <a:t>Does it mean that ensuring a good healthcare system would increase people happiness?</a:t>
-            </a:r>
-          </a:p>
-          <a:p>
-            <a:r>
-              <a:rPr lang="en-US" sz="2800" dirty="0"/>
-              <a:t>The higher one’s wealth and social support are, the happier he/she is.</a:t>
-            </a:r>
-            <a:endParaRPr lang="en-US" sz="2000" dirty="0"/>
-          </a:p>
-          <a:p>
-            <a:pPr lvl="1"/>
-            <a:r>
-              <a:rPr lang="en-US" sz="1800" dirty="0"/>
-              <a:t>Is that right?</a:t>
-            </a:r>
-          </a:p>
-        </p:txBody>
-      </p:sp>
-    </p:spTree>
-    <p:extLst>
-      <p:ext uri="{BB962C8B-B14F-4D97-AF65-F5344CB8AC3E}">
-        <p14:creationId xmlns:p14="http://schemas.microsoft.com/office/powerpoint/2010/main" val="2919486761"/>
       </p:ext>
     </p:extLst>
   </p:cSld>
@@ -4658,10 +4846,10 @@
       </p:grpSpPr>
       <p:sp>
         <p:nvSpPr>
-          <p:cNvPr id="2" name="Title 1">
+          <p:cNvPr id="3" name="Content Placeholder 2">
             <a:extLst>
               <a:ext uri="{FF2B5EF4-FFF2-40B4-BE49-F238E27FC236}">
-                <a16:creationId xmlns:a16="http://schemas.microsoft.com/office/drawing/2014/main" id="{87A13203-EF8E-4F78-9D14-44AF15470661}"/>
+                <a16:creationId xmlns:a16="http://schemas.microsoft.com/office/drawing/2014/main" id="{C2A13309-28F3-4593-9FB0-12FC11BBDDAC}"/>
               </a:ext>
             </a:extLst>
           </p:cNvPr>
@@ -4669,13 +4857,13 @@
             <a:spLocks noGrp="1"/>
           </p:cNvSpPr>
           <p:nvPr>
-            <p:ph type="title"/>
-          </p:nvPr>
-        </p:nvSpPr>
-        <p:spPr>
-          <a:xfrm>
-            <a:off x="1066800" y="642594"/>
-            <a:ext cx="10058400" cy="1107829"/>
+            <p:ph idx="1"/>
+          </p:nvPr>
+        </p:nvSpPr>
+        <p:spPr>
+          <a:xfrm>
+            <a:off x="947531" y="1410789"/>
+            <a:ext cx="10058400" cy="3566161"/>
           </a:xfrm>
         </p:spPr>
         <p:txBody>
@@ -4684,57 +4872,47 @@
           </a:bodyPr>
           <a:lstStyle/>
           <a:p>
-            <a:r>
-              <a:rPr lang="en-US" b="1" dirty="0"/>
-              <a:t>Regression analysis</a:t>
-            </a:r>
-            <a:r>
-              <a:rPr lang="en-US" dirty="0"/>
-              <a:t>- </a:t>
-            </a:r>
+            <a:pPr lvl="0"/>
+            <a:r>
+              <a:rPr lang="en-US" sz="2800" dirty="0"/>
+              <a:t>Countries with a high </a:t>
+            </a:r>
+            <a:r>
+              <a:rPr lang="en-US" sz="2800" i="1" dirty="0"/>
+              <a:t>Healthy life expectancy at birth</a:t>
+            </a:r>
+            <a:r>
+              <a:rPr lang="en-US" sz="2800" dirty="0"/>
+              <a:t> tend to be happier on average. </a:t>
+            </a:r>
+          </a:p>
+          <a:p>
+            <a:pPr lvl="1"/>
             <a:r>
               <a:rPr lang="en-US" sz="2000" dirty="0"/>
-              <a:t>to quantify the relationship between one variable and the other variables </a:t>
-            </a:r>
-          </a:p>
-        </p:txBody>
-      </p:sp>
-      <p:pic>
-        <p:nvPicPr>
-          <p:cNvPr id="4" name="Content Placeholder 3">
-            <a:extLst>
-              <a:ext uri="{FF2B5EF4-FFF2-40B4-BE49-F238E27FC236}">
-                <a16:creationId xmlns:a16="http://schemas.microsoft.com/office/drawing/2014/main" id="{B955099F-4F1A-4E1E-8FC2-A23EC97C7752}"/>
-              </a:ext>
-            </a:extLst>
-          </p:cNvPr>
-          <p:cNvPicPr>
-            <a:picLocks noGrp="1" noChangeAspect="1"/>
-          </p:cNvPicPr>
-          <p:nvPr>
-            <p:ph idx="1"/>
-          </p:nvPr>
-        </p:nvPicPr>
-        <p:blipFill>
-          <a:blip r:embed="rId2"/>
-          <a:stretch>
-            <a:fillRect/>
-          </a:stretch>
-        </p:blipFill>
-        <p:spPr>
-          <a:xfrm>
-            <a:off x="1500808" y="1750423"/>
-            <a:ext cx="9190383" cy="4633442"/>
-          </a:xfrm>
-          <a:prstGeom prst="rect">
-            <a:avLst/>
-          </a:prstGeom>
-        </p:spPr>
-      </p:pic>
+              <a:t>Does it mean that ensuring a good healthcare system would increase people happiness?</a:t>
+            </a:r>
+          </a:p>
+          <a:p>
+            <a:r>
+              <a:rPr lang="en-US" sz="2800" dirty="0"/>
+              <a:t>The higher one’s wealth and social support are, the happier he/she is.</a:t>
+            </a:r>
+            <a:endParaRPr lang="en-US" sz="2000" dirty="0"/>
+          </a:p>
+          <a:p>
+            <a:pPr lvl="1"/>
+            <a:r>
+              <a:rPr lang="en-US" sz="1800" dirty="0"/>
+              <a:t>Is that right?</a:t>
+            </a:r>
+          </a:p>
+        </p:txBody>
+      </p:sp>
     </p:spTree>
     <p:extLst>
       <p:ext uri="{BB962C8B-B14F-4D97-AF65-F5344CB8AC3E}">
-        <p14:creationId xmlns:p14="http://schemas.microsoft.com/office/powerpoint/2010/main" val="2389271776"/>
+        <p14:creationId xmlns:p14="http://schemas.microsoft.com/office/powerpoint/2010/main" val="2919486761"/>
       </p:ext>
     </p:extLst>
   </p:cSld>
@@ -4766,6 +4944,111 @@
           <p:cNvPr id="2" name="Title 1">
             <a:extLst>
               <a:ext uri="{FF2B5EF4-FFF2-40B4-BE49-F238E27FC236}">
+                <a16:creationId xmlns:a16="http://schemas.microsoft.com/office/drawing/2014/main" id="{87A13203-EF8E-4F78-9D14-44AF15470661}"/>
+              </a:ext>
+            </a:extLst>
+          </p:cNvPr>
+          <p:cNvSpPr>
+            <a:spLocks noGrp="1"/>
+          </p:cNvSpPr>
+          <p:nvPr>
+            <p:ph type="title"/>
+          </p:nvPr>
+        </p:nvSpPr>
+        <p:spPr>
+          <a:xfrm>
+            <a:off x="1066800" y="642594"/>
+            <a:ext cx="10058400" cy="1107829"/>
+          </a:xfrm>
+        </p:spPr>
+        <p:txBody>
+          <a:bodyPr>
+            <a:normAutofit/>
+          </a:bodyPr>
+          <a:lstStyle/>
+          <a:p>
+            <a:r>
+              <a:rPr lang="en-US" b="1" dirty="0"/>
+              <a:t>Regression analysis</a:t>
+            </a:r>
+            <a:r>
+              <a:rPr lang="en-US" dirty="0"/>
+              <a:t>- </a:t>
+            </a:r>
+            <a:r>
+              <a:rPr lang="en-US" sz="2000" dirty="0"/>
+              <a:t>to quantify the relationship between one variable and the other variables </a:t>
+            </a:r>
+          </a:p>
+        </p:txBody>
+      </p:sp>
+      <p:pic>
+        <p:nvPicPr>
+          <p:cNvPr id="4" name="Content Placeholder 3">
+            <a:extLst>
+              <a:ext uri="{FF2B5EF4-FFF2-40B4-BE49-F238E27FC236}">
+                <a16:creationId xmlns:a16="http://schemas.microsoft.com/office/drawing/2014/main" id="{B955099F-4F1A-4E1E-8FC2-A23EC97C7752}"/>
+              </a:ext>
+            </a:extLst>
+          </p:cNvPr>
+          <p:cNvPicPr>
+            <a:picLocks noGrp="1" noChangeAspect="1"/>
+          </p:cNvPicPr>
+          <p:nvPr>
+            <p:ph idx="1"/>
+          </p:nvPr>
+        </p:nvPicPr>
+        <p:blipFill>
+          <a:blip r:embed="rId2"/>
+          <a:stretch>
+            <a:fillRect/>
+          </a:stretch>
+        </p:blipFill>
+        <p:spPr>
+          <a:xfrm>
+            <a:off x="1500808" y="1750423"/>
+            <a:ext cx="9190383" cy="4633442"/>
+          </a:xfrm>
+          <a:prstGeom prst="rect">
+            <a:avLst/>
+          </a:prstGeom>
+        </p:spPr>
+      </p:pic>
+    </p:spTree>
+    <p:extLst>
+      <p:ext uri="{BB962C8B-B14F-4D97-AF65-F5344CB8AC3E}">
+        <p14:creationId xmlns:p14="http://schemas.microsoft.com/office/powerpoint/2010/main" val="2389271776"/>
+      </p:ext>
+    </p:extLst>
+  </p:cSld>
+  <p:clrMapOvr>
+    <a:masterClrMapping/>
+  </p:clrMapOvr>
+</p:sld>
+</file>
+
+<file path=ppt/slides/slide6.xml><?xml version="1.0" encoding="utf-8"?>
+<p:sld xmlns:a="http://schemas.openxmlformats.org/drawingml/2006/main" xmlns:r="http://schemas.openxmlformats.org/officeDocument/2006/relationships" xmlns:p="http://schemas.openxmlformats.org/presentationml/2006/main">
+  <p:cSld>
+    <p:spTree>
+      <p:nvGrpSpPr>
+        <p:cNvPr id="1" name=""/>
+        <p:cNvGrpSpPr/>
+        <p:nvPr/>
+      </p:nvGrpSpPr>
+      <p:grpSpPr>
+        <a:xfrm>
+          <a:off x="0" y="0"/>
+          <a:ext cx="0" cy="0"/>
+          <a:chOff x="0" y="0"/>
+          <a:chExt cx="0" cy="0"/>
+        </a:xfrm>
+      </p:grpSpPr>
+      <p:sp>
+        <p:nvSpPr>
+          <p:cNvPr id="2" name="Title 1">
+            <a:extLst>
+              <a:ext uri="{FF2B5EF4-FFF2-40B4-BE49-F238E27FC236}">
                 <a16:creationId xmlns:a16="http://schemas.microsoft.com/office/drawing/2014/main" id="{D66C3139-9DF8-4990-87E0-DE30035ADF83}"/>
               </a:ext>
             </a:extLst>
@@ -4809,55 +5092,7 @@
               <a:rPr lang="en-US" sz="1800" dirty="0">
                 <a:latin typeface="+mn-lt"/>
               </a:rPr>
-              <a:t>X = “</a:t>
-            </a:r>
-            <a:r>
-              <a:rPr lang="en-US" sz="1800" dirty="0" err="1">
-                <a:latin typeface="+mn-lt"/>
-              </a:rPr>
-              <a:t>GDP_per_capita</a:t>
-            </a:r>
-            <a:r>
-              <a:rPr lang="en-US" sz="1800" dirty="0">
-                <a:latin typeface="+mn-lt"/>
-              </a:rPr>
-              <a:t>", "</a:t>
-            </a:r>
-            <a:r>
-              <a:rPr lang="en-US" sz="1800" dirty="0" err="1">
-                <a:latin typeface="+mn-lt"/>
-              </a:rPr>
-              <a:t>Social_support</a:t>
-            </a:r>
-            <a:r>
-              <a:rPr lang="en-US" sz="1800" dirty="0">
-                <a:latin typeface="+mn-lt"/>
-              </a:rPr>
-              <a:t>", "</a:t>
-            </a:r>
-            <a:r>
-              <a:rPr lang="en-US" sz="1800" dirty="0" err="1">
-                <a:latin typeface="+mn-lt"/>
-              </a:rPr>
-              <a:t>Healthy_life_expectancy</a:t>
-            </a:r>
-            <a:r>
-              <a:rPr lang="en-US" sz="1800" dirty="0">
-                <a:latin typeface="+mn-lt"/>
-              </a:rPr>
-              <a:t>", "Freedom", "Generosity",  "</a:t>
-            </a:r>
-            <a:r>
-              <a:rPr lang="en-US" sz="1800" dirty="0" err="1">
-                <a:latin typeface="+mn-lt"/>
-              </a:rPr>
-              <a:t>Perceptions_of_corruption</a:t>
-            </a:r>
-            <a:r>
-              <a:rPr lang="en-US" sz="1800" dirty="0">
-                <a:latin typeface="+mn-lt"/>
-              </a:rPr>
-              <a:t>"</a:t>
+              <a:t>X = “GDP_per_capita", "Social support", "Healthy_life_expectancy", "Freedom", "Generosity",  "Perceptions_of_corruption"</a:t>
             </a:r>
             <a:br>
               <a:rPr lang="en-US" sz="1800" dirty="0">
@@ -4914,11 +5149,7 @@
             </a:pPr>
             <a:r>
               <a:rPr lang="en-US" sz="3600" b="1" dirty="0"/>
-              <a:t>Create the model using </a:t>
-            </a:r>
-            <a:r>
-              <a:rPr lang="en-US" sz="3600" b="1" dirty="0" err="1"/>
-              <a:t>LinearRegression</a:t>
+              <a:t>Create the model using Linear Regression</a:t>
             </a:r>
             <a:endParaRPr lang="en-US" b="1" dirty="0"/>
           </a:p>
@@ -4928,15 +5159,7 @@
             </a:pPr>
             <a:r>
               <a:rPr lang="en-US" sz="1600" dirty="0"/>
-              <a:t>model = </a:t>
-            </a:r>
-            <a:r>
-              <a:rPr lang="en-US" sz="1600" dirty="0" err="1"/>
-              <a:t>linear_model.LinearRegression</a:t>
-            </a:r>
-            <a:r>
-              <a:rPr lang="en-US" sz="1600" dirty="0"/>
-              <a:t>()</a:t>
+              <a:t>model = linear_model.LinearRegression()</a:t>
             </a:r>
           </a:p>
           <a:p>
@@ -4993,7 +5216,7 @@
 </p:sld>
 </file>
 
-<file path=ppt/slides/slide6.xml><?xml version="1.0" encoding="utf-8"?>
+<file path=ppt/slides/slide7.xml><?xml version="1.0" encoding="utf-8"?>
 <p:sld xmlns:a="http://schemas.openxmlformats.org/drawingml/2006/main" xmlns:r="http://schemas.openxmlformats.org/officeDocument/2006/relationships" xmlns:p="http://schemas.openxmlformats.org/presentationml/2006/main">
   <p:cSld>
     <p:spTree>
@@ -5085,7 +5308,7 @@
 </p:sld>
 </file>
 
-<file path=ppt/slides/slide7.xml><?xml version="1.0" encoding="utf-8"?>
+<file path=ppt/slides/slide8.xml><?xml version="1.0" encoding="utf-8"?>
 <p:sld xmlns:a="http://schemas.openxmlformats.org/drawingml/2006/main" xmlns:r="http://schemas.openxmlformats.org/officeDocument/2006/relationships" xmlns:p="http://schemas.openxmlformats.org/presentationml/2006/main">
   <p:cSld>
     <p:spTree>
@@ -5287,110 +5510,6 @@
     <p:extLst>
       <p:ext uri="{BB962C8B-B14F-4D97-AF65-F5344CB8AC3E}">
         <p14:creationId xmlns:p14="http://schemas.microsoft.com/office/powerpoint/2010/main" val="240680844"/>
-      </p:ext>
-    </p:extLst>
-  </p:cSld>
-  <p:clrMapOvr>
-    <a:masterClrMapping/>
-  </p:clrMapOvr>
-</p:sld>
-</file>
-
-<file path=ppt/slides/slide8.xml><?xml version="1.0" encoding="utf-8"?>
-<p:sld xmlns:a="http://schemas.openxmlformats.org/drawingml/2006/main" xmlns:r="http://schemas.openxmlformats.org/officeDocument/2006/relationships" xmlns:p="http://schemas.openxmlformats.org/presentationml/2006/main">
-  <p:cSld>
-    <p:spTree>
-      <p:nvGrpSpPr>
-        <p:cNvPr id="1" name=""/>
-        <p:cNvGrpSpPr/>
-        <p:nvPr/>
-      </p:nvGrpSpPr>
-      <p:grpSpPr>
-        <a:xfrm>
-          <a:off x="0" y="0"/>
-          <a:ext cx="0" cy="0"/>
-          <a:chOff x="0" y="0"/>
-          <a:chExt cx="0" cy="0"/>
-        </a:xfrm>
-      </p:grpSpPr>
-      <p:sp>
-        <p:nvSpPr>
-          <p:cNvPr id="2" name="Title 1">
-            <a:extLst>
-              <a:ext uri="{FF2B5EF4-FFF2-40B4-BE49-F238E27FC236}">
-                <a16:creationId xmlns:a16="http://schemas.microsoft.com/office/drawing/2014/main" id="{BA0377B4-D290-4A7C-B386-7320312B8844}"/>
-              </a:ext>
-            </a:extLst>
-          </p:cNvPr>
-          <p:cNvSpPr>
-            <a:spLocks noGrp="1"/>
-          </p:cNvSpPr>
-          <p:nvPr>
-            <p:ph type="title"/>
-          </p:nvPr>
-        </p:nvSpPr>
-        <p:spPr>
-          <a:xfrm>
-            <a:off x="1066800" y="642594"/>
-            <a:ext cx="10058400" cy="1371600"/>
-          </a:xfrm>
-        </p:spPr>
-        <p:txBody>
-          <a:bodyPr anchor="ctr">
-            <a:normAutofit/>
-          </a:bodyPr>
-          <a:lstStyle/>
-          <a:p>
-            <a:pPr algn="ctr"/>
-            <a:r>
-              <a:rPr lang="en-US" sz="3400" b="1" dirty="0"/>
-              <a:t>Residual Plot- </a:t>
-            </a:r>
-            <a:r>
-              <a:rPr lang="en-US" sz="2400" dirty="0"/>
-              <a:t>the difference between the true values of y and the predicted values of y</a:t>
-            </a:r>
-            <a:endParaRPr lang="en-US" sz="3400" dirty="0"/>
-          </a:p>
-        </p:txBody>
-      </p:sp>
-      <p:pic>
-        <p:nvPicPr>
-          <p:cNvPr id="4" name="Content Placeholder 3">
-            <a:extLst>
-              <a:ext uri="{FF2B5EF4-FFF2-40B4-BE49-F238E27FC236}">
-                <a16:creationId xmlns:a16="http://schemas.microsoft.com/office/drawing/2014/main" id="{8E114C70-1069-43E5-82E5-7BB2BAB5A26F}"/>
-              </a:ext>
-            </a:extLst>
-          </p:cNvPr>
-          <p:cNvPicPr>
-            <a:picLocks noGrp="1" noChangeAspect="1"/>
-          </p:cNvPicPr>
-          <p:nvPr>
-            <p:ph idx="1"/>
-          </p:nvPr>
-        </p:nvPicPr>
-        <p:blipFill>
-          <a:blip r:embed="rId2"/>
-          <a:stretch>
-            <a:fillRect/>
-          </a:stretch>
-        </p:blipFill>
-        <p:spPr>
-          <a:xfrm>
-            <a:off x="2902267" y="2014194"/>
-            <a:ext cx="6387465" cy="4397037"/>
-          </a:xfrm>
-          <a:prstGeom prst="rect">
-            <a:avLst/>
-          </a:prstGeom>
-          <a:noFill/>
-        </p:spPr>
-      </p:pic>
-    </p:spTree>
-    <p:extLst>
-      <p:ext uri="{BB962C8B-B14F-4D97-AF65-F5344CB8AC3E}">
-        <p14:creationId xmlns:p14="http://schemas.microsoft.com/office/powerpoint/2010/main" val="2252856388"/>
       </p:ext>
     </p:extLst>
   </p:cSld>
@@ -5422,7 +5541,7 @@
           <p:cNvPr id="2" name="Title 1">
             <a:extLst>
               <a:ext uri="{FF2B5EF4-FFF2-40B4-BE49-F238E27FC236}">
-                <a16:creationId xmlns:a16="http://schemas.microsoft.com/office/drawing/2014/main" id="{59F55209-B9E8-4C71-8AC9-62A22251F007}"/>
+                <a16:creationId xmlns:a16="http://schemas.microsoft.com/office/drawing/2014/main" id="{BA0377B4-D290-4A7C-B386-7320312B8844}"/>
               </a:ext>
             </a:extLst>
           </p:cNvPr>
@@ -5436,7 +5555,7 @@
         <p:spPr>
           <a:xfrm>
             <a:off x="1066800" y="642594"/>
-            <a:ext cx="10058400" cy="977959"/>
+            <a:ext cx="10058400" cy="1371600"/>
           </a:xfrm>
         </p:spPr>
         <p:txBody>
@@ -5445,20 +5564,25 @@
           </a:bodyPr>
           <a:lstStyle/>
           <a:p>
-            <a:pPr algn="r"/>
-            <a:r>
-              <a:rPr lang="en-US" b="1" dirty="0"/>
-              <a:t>Actual vs Prediction</a:t>
-            </a:r>
+            <a:pPr algn="ctr"/>
+            <a:r>
+              <a:rPr lang="en-US" sz="3400" b="1" dirty="0"/>
+              <a:t>Residual Plot- </a:t>
+            </a:r>
+            <a:r>
+              <a:rPr lang="en-US" sz="2400" dirty="0"/>
+              <a:t>the difference between the true values of y and the predicted values of y</a:t>
+            </a:r>
+            <a:endParaRPr lang="en-US" sz="3400" dirty="0"/>
           </a:p>
         </p:txBody>
       </p:sp>
       <p:pic>
         <p:nvPicPr>
-          <p:cNvPr id="5" name="Content Placeholder 4">
+          <p:cNvPr id="4" name="Content Placeholder 3">
             <a:extLst>
               <a:ext uri="{FF2B5EF4-FFF2-40B4-BE49-F238E27FC236}">
-                <a16:creationId xmlns:a16="http://schemas.microsoft.com/office/drawing/2014/main" id="{FCE3EF01-4192-41CB-9862-8D27385B5EFB}"/>
+                <a16:creationId xmlns:a16="http://schemas.microsoft.com/office/drawing/2014/main" id="{8E114C70-1069-43E5-82E5-7BB2BAB5A26F}"/>
               </a:ext>
             </a:extLst>
           </p:cNvPr>
@@ -5466,7 +5590,7 @@
             <a:picLocks noGrp="1" noChangeAspect="1"/>
           </p:cNvPicPr>
           <p:nvPr>
-            <p:ph sz="half" idx="1"/>
+            <p:ph idx="1"/>
           </p:nvPr>
         </p:nvPicPr>
         <p:blipFill>
@@ -5477,40 +5601,8 @@
         </p:blipFill>
         <p:spPr>
           <a:xfrm>
-            <a:off x="418957" y="490988"/>
-            <a:ext cx="3549545" cy="1599052"/>
-          </a:xfrm>
-          <a:prstGeom prst="rect">
-            <a:avLst/>
-          </a:prstGeom>
-        </p:spPr>
-      </p:pic>
-      <p:pic>
-        <p:nvPicPr>
-          <p:cNvPr id="4" name="Content Placeholder 3">
-            <a:extLst>
-              <a:ext uri="{FF2B5EF4-FFF2-40B4-BE49-F238E27FC236}">
-                <a16:creationId xmlns:a16="http://schemas.microsoft.com/office/drawing/2014/main" id="{6000D909-7285-457B-8BF5-1F7513C16B65}"/>
-              </a:ext>
-            </a:extLst>
-          </p:cNvPr>
-          <p:cNvPicPr>
-            <a:picLocks noGrp="1" noChangeAspect="1"/>
-          </p:cNvPicPr>
-          <p:nvPr>
-            <p:ph sz="half" idx="2"/>
-          </p:nvPr>
-        </p:nvPicPr>
-        <p:blipFill>
-          <a:blip r:embed="rId3"/>
-          <a:stretch>
-            <a:fillRect/>
-          </a:stretch>
-        </p:blipFill>
-        <p:spPr>
-          <a:xfrm>
-            <a:off x="3108961" y="1620553"/>
-            <a:ext cx="8664082" cy="4746459"/>
+            <a:off x="2902267" y="2014194"/>
+            <a:ext cx="6387465" cy="4397037"/>
           </a:xfrm>
           <a:prstGeom prst="rect">
             <a:avLst/>
@@ -5521,7 +5613,7 @@
     </p:spTree>
     <p:extLst>
       <p:ext uri="{BB962C8B-B14F-4D97-AF65-F5344CB8AC3E}">
-        <p14:creationId xmlns:p14="http://schemas.microsoft.com/office/powerpoint/2010/main" val="326395827"/>
+        <p14:creationId xmlns:p14="http://schemas.microsoft.com/office/powerpoint/2010/main" val="2252856388"/>
       </p:ext>
     </p:extLst>
   </p:cSld>
@@ -5808,24 +5900,6 @@
 </file>
 
 <file path=customXml/item1.xml><?xml version="1.0" encoding="utf-8"?>
-<p:properties xmlns:p="http://schemas.microsoft.com/office/2006/metadata/properties" xmlns:xsi="http://www.w3.org/2001/XMLSchema-instance" xmlns:pc="http://schemas.microsoft.com/office/infopath/2007/PartnerControls">
-  <documentManagement>
-    <Status xmlns="71af3243-3dd4-4a8d-8c0d-dd76da1f02a5">Not started</Status>
-    <MediaServiceKeyPoints xmlns="71af3243-3dd4-4a8d-8c0d-dd76da1f02a5" xsi:nil="true"/>
-  </documentManagement>
-</p:properties>
-</file>
-
-<file path=customXml/item2.xml><?xml version="1.0" encoding="utf-8"?>
-<?mso-contentType ?>
-<FormTemplates xmlns="http://schemas.microsoft.com/sharepoint/v3/contenttype/forms">
-  <Display>DocumentLibraryForm</Display>
-  <Edit>DocumentLibraryForm</Edit>
-  <New>DocumentLibraryForm</New>
-</FormTemplates>
-</file>
-
-<file path=customXml/item3.xml><?xml version="1.0" encoding="utf-8"?>
 <ct:contentTypeSchema xmlns:ct="http://schemas.microsoft.com/office/2006/metadata/contentType" xmlns:ma="http://schemas.microsoft.com/office/2006/metadata/properties/metaAttributes" ct:_="" ma:_="" ma:contentTypeName="Document" ma:contentTypeID="0x01010079F111ED35F8CC479449609E8A0923A6" ma:contentTypeVersion="12" ma:contentTypeDescription="Create a new document." ma:contentTypeScope="" ma:versionID="a410dd7f93c95333ffa1b60ed6adedd1">
   <xsd:schema xmlns:xsd="http://www.w3.org/2001/XMLSchema" xmlns:xs="http://www.w3.org/2001/XMLSchema" xmlns:p="http://schemas.microsoft.com/office/2006/metadata/properties" xmlns:ns2="71af3243-3dd4-4a8d-8c0d-dd76da1f02a5" xmlns:ns3="16c05727-aa75-4e4a-9b5f-8a80a1165891" targetNamespace="http://schemas.microsoft.com/office/2006/metadata/properties" ma:root="true" ma:fieldsID="a936d9baba76aa3866493feff160faab" ns2:_="" ns3:_="">
     <xsd:import namespace="71af3243-3dd4-4a8d-8c0d-dd76da1f02a5"/>
@@ -6046,25 +6120,25 @@
 </ct:contentTypeSchema>
 </file>
 
-<file path=customXml/itemProps1.xml><?xml version="1.0" encoding="utf-8"?>
-<ds:datastoreItem xmlns:ds="http://schemas.openxmlformats.org/officeDocument/2006/customXml" ds:itemID="{137651BA-F45C-4845-9AB3-E0A65B39F5E1}">
-  <ds:schemaRefs>
-    <ds:schemaRef ds:uri="http://schemas.microsoft.com/office/2006/metadata/properties"/>
-    <ds:schemaRef ds:uri="http://schemas.microsoft.com/office/infopath/2007/PartnerControls"/>
-    <ds:schemaRef ds:uri="71af3243-3dd4-4a8d-8c0d-dd76da1f02a5"/>
-  </ds:schemaRefs>
-</ds:datastoreItem>
+<file path=customXml/item2.xml><?xml version="1.0" encoding="utf-8"?>
+<?mso-contentType ?>
+<FormTemplates xmlns="http://schemas.microsoft.com/sharepoint/v3/contenttype/forms">
+  <Display>DocumentLibraryForm</Display>
+  <Edit>DocumentLibraryForm</Edit>
+  <New>DocumentLibraryForm</New>
+</FormTemplates>
 </file>
 
-<file path=customXml/itemProps2.xml><?xml version="1.0" encoding="utf-8"?>
-<ds:datastoreItem xmlns:ds="http://schemas.openxmlformats.org/officeDocument/2006/customXml" ds:itemID="{CDB58277-F8DF-46FF-84EC-EF41B835E69F}">
-  <ds:schemaRefs>
-    <ds:schemaRef ds:uri="http://schemas.microsoft.com/sharepoint/v3/contenttype/forms"/>
-  </ds:schemaRefs>
-</ds:datastoreItem>
+<file path=customXml/item3.xml><?xml version="1.0" encoding="utf-8"?>
+<p:properties xmlns:p="http://schemas.microsoft.com/office/2006/metadata/properties" xmlns:xsi="http://www.w3.org/2001/XMLSchema-instance" xmlns:pc="http://schemas.microsoft.com/office/infopath/2007/PartnerControls">
+  <documentManagement>
+    <Status xmlns="71af3243-3dd4-4a8d-8c0d-dd76da1f02a5">Not started</Status>
+    <MediaServiceKeyPoints xmlns="71af3243-3dd4-4a8d-8c0d-dd76da1f02a5" xsi:nil="true"/>
+  </documentManagement>
+</p:properties>
 </file>
 
-<file path=customXml/itemProps3.xml><?xml version="1.0" encoding="utf-8"?>
+<file path=customXml/itemProps1.xml><?xml version="1.0" encoding="utf-8"?>
 <ds:datastoreItem xmlns:ds="http://schemas.openxmlformats.org/officeDocument/2006/customXml" ds:itemID="{2D276E62-80A3-44DD-9BCC-97ED2B99B57F}">
   <ds:schemaRefs>
     <ds:schemaRef ds:uri="http://schemas.microsoft.com/office/2006/metadata/contentType"/>
@@ -6081,4 +6155,22 @@
     <ds:schemaRef ds:uri="http://schemas.microsoft.com/internal/obd"/>
   </ds:schemaRefs>
 </ds:datastoreItem>
+</file>
+
+<file path=customXml/itemProps2.xml><?xml version="1.0" encoding="utf-8"?>
+<ds:datastoreItem xmlns:ds="http://schemas.openxmlformats.org/officeDocument/2006/customXml" ds:itemID="{CDB58277-F8DF-46FF-84EC-EF41B835E69F}">
+  <ds:schemaRefs>
+    <ds:schemaRef ds:uri="http://schemas.microsoft.com/sharepoint/v3/contenttype/forms"/>
+  </ds:schemaRefs>
+</ds:datastoreItem>
+</file>
+
+<file path=customXml/itemProps3.xml><?xml version="1.0" encoding="utf-8"?>
+<ds:datastoreItem xmlns:ds="http://schemas.openxmlformats.org/officeDocument/2006/customXml" ds:itemID="{137651BA-F45C-4845-9AB3-E0A65B39F5E1}">
+  <ds:schemaRefs>
+    <ds:schemaRef ds:uri="http://schemas.microsoft.com/office/2006/metadata/properties"/>
+    <ds:schemaRef ds:uri="http://schemas.microsoft.com/office/infopath/2007/PartnerControls"/>
+    <ds:schemaRef ds:uri="71af3243-3dd4-4a8d-8c0d-dd76da1f02a5"/>
+  </ds:schemaRefs>
+</ds:datastoreItem>
 </file>